--- a/temp/prezentacio.pptx
+++ b/temp/prezentacio.pptx
@@ -273,7 +273,7 @@
           <a:p>
             <a:fld id="{EE4C79D7-0841-45E4-8C6F-DDB18C203C84}" type="datetimeFigureOut">
               <a:rPr lang="en-US" smtClean="0"/>
-              <a:t>6/30/25</a:t>
+              <a:t>7/1/25</a:t>
             </a:fld>
             <a:endParaRPr lang="en-US"/>
           </a:p>
@@ -485,7 +485,7 @@
           <a:p>
             <a:fld id="{EE4C79D7-0841-45E4-8C6F-DDB18C203C84}" type="datetimeFigureOut">
               <a:rPr lang="en-US" smtClean="0"/>
-              <a:t>6/30/25</a:t>
+              <a:t>7/1/25</a:t>
             </a:fld>
             <a:endParaRPr lang="en-US"/>
           </a:p>
@@ -707,7 +707,7 @@
           <a:p>
             <a:fld id="{EE4C79D7-0841-45E4-8C6F-DDB18C203C84}" type="datetimeFigureOut">
               <a:rPr lang="en-US" smtClean="0"/>
-              <a:t>6/30/25</a:t>
+              <a:t>7/1/25</a:t>
             </a:fld>
             <a:endParaRPr lang="en-US"/>
           </a:p>
@@ -919,7 +919,7 @@
           <a:p>
             <a:fld id="{EE4C79D7-0841-45E4-8C6F-DDB18C203C84}" type="datetimeFigureOut">
               <a:rPr lang="en-US" smtClean="0"/>
-              <a:t>6/30/25</a:t>
+              <a:t>7/1/25</a:t>
             </a:fld>
             <a:endParaRPr lang="en-US"/>
           </a:p>
@@ -1207,7 +1207,7 @@
           <a:p>
             <a:fld id="{EE4C79D7-0841-45E4-8C6F-DDB18C203C84}" type="datetimeFigureOut">
               <a:rPr lang="en-US" smtClean="0"/>
-              <a:t>6/30/25</a:t>
+              <a:t>7/1/25</a:t>
             </a:fld>
             <a:endParaRPr lang="en-US"/>
           </a:p>
@@ -1487,7 +1487,7 @@
           <a:p>
             <a:fld id="{EE4C79D7-0841-45E4-8C6F-DDB18C203C84}" type="datetimeFigureOut">
               <a:rPr lang="en-US" smtClean="0"/>
-              <a:t>6/30/25</a:t>
+              <a:t>7/1/25</a:t>
             </a:fld>
             <a:endParaRPr lang="en-US"/>
           </a:p>
@@ -1914,7 +1914,7 @@
           <a:p>
             <a:fld id="{EE4C79D7-0841-45E4-8C6F-DDB18C203C84}" type="datetimeFigureOut">
               <a:rPr lang="en-US" smtClean="0"/>
-              <a:t>6/30/25</a:t>
+              <a:t>7/1/25</a:t>
             </a:fld>
             <a:endParaRPr lang="en-US"/>
           </a:p>
@@ -2068,7 +2068,7 @@
           <a:p>
             <a:fld id="{EE4C79D7-0841-45E4-8C6F-DDB18C203C84}" type="datetimeFigureOut">
               <a:rPr lang="en-US" smtClean="0"/>
-              <a:t>6/30/25</a:t>
+              <a:t>7/1/25</a:t>
             </a:fld>
             <a:endParaRPr lang="en-US"/>
           </a:p>
@@ -2193,7 +2193,7 @@
           <a:p>
             <a:fld id="{EE4C79D7-0841-45E4-8C6F-DDB18C203C84}" type="datetimeFigureOut">
               <a:rPr lang="en-US" smtClean="0"/>
-              <a:t>6/30/25</a:t>
+              <a:t>7/1/25</a:t>
             </a:fld>
             <a:endParaRPr lang="en-US"/>
           </a:p>
@@ -2518,7 +2518,7 @@
           <a:p>
             <a:fld id="{EE4C79D7-0841-45E4-8C6F-DDB18C203C84}" type="datetimeFigureOut">
               <a:rPr lang="en-US" smtClean="0"/>
-              <a:t>6/30/25</a:t>
+              <a:t>7/1/25</a:t>
             </a:fld>
             <a:endParaRPr lang="en-US"/>
           </a:p>
@@ -2819,7 +2819,7 @@
           <a:p>
             <a:fld id="{EE4C79D7-0841-45E4-8C6F-DDB18C203C84}" type="datetimeFigureOut">
               <a:rPr lang="en-US" smtClean="0"/>
-              <a:t>6/30/25</a:t>
+              <a:t>7/1/25</a:t>
             </a:fld>
             <a:endParaRPr lang="en-US"/>
           </a:p>
@@ -3074,7 +3074,7 @@
           <a:p>
             <a:fld id="{EE4C79D7-0841-45E4-8C6F-DDB18C203C84}" type="datetimeFigureOut">
               <a:rPr lang="en-US" smtClean="0"/>
-              <a:t>6/30/25</a:t>
+              <a:t>7/1/25</a:t>
             </a:fld>
             <a:endParaRPr lang="en-US"/>
           </a:p>
@@ -4125,6 +4125,36 @@
           </a:p>
         </p:txBody>
       </p:sp>
+      <p:pic>
+        <p:nvPicPr>
+          <p:cNvPr id="4" name="Kép 3">
+            <a:extLst>
+              <a:ext uri="{FF2B5EF4-FFF2-40B4-BE49-F238E27FC236}">
+                <a16:creationId xmlns:a16="http://schemas.microsoft.com/office/drawing/2014/main" id="{320ECE1B-BBDF-21E3-FA27-684A496685B4}"/>
+              </a:ext>
+            </a:extLst>
+          </p:cNvPr>
+          <p:cNvPicPr>
+            <a:picLocks noChangeAspect="1"/>
+          </p:cNvPicPr>
+          <p:nvPr/>
+        </p:nvPicPr>
+        <p:blipFill>
+          <a:blip r:embed="rId2"/>
+          <a:stretch>
+            <a:fillRect/>
+          </a:stretch>
+        </p:blipFill>
+        <p:spPr>
+          <a:xfrm>
+            <a:off x="8977994" y="353828"/>
+            <a:ext cx="4013200" cy="6578600"/>
+          </a:xfrm>
+          <a:prstGeom prst="rect">
+            <a:avLst/>
+          </a:prstGeom>
+        </p:spPr>
+      </p:pic>
       <p:sp>
         <p:nvSpPr>
           <p:cNvPr id="3" name="Téglalap 2">
@@ -6380,36 +6410,6 @@
           </a:p>
         </p:txBody>
       </p:sp>
-      <p:pic>
-        <p:nvPicPr>
-          <p:cNvPr id="15" name="Kép 14">
-            <a:extLst>
-              <a:ext uri="{FF2B5EF4-FFF2-40B4-BE49-F238E27FC236}">
-                <a16:creationId xmlns:a16="http://schemas.microsoft.com/office/drawing/2014/main" id="{B61F330E-96A6-6986-F83F-FCC82EC7E4C8}"/>
-              </a:ext>
-            </a:extLst>
-          </p:cNvPr>
-          <p:cNvPicPr>
-            <a:picLocks noChangeAspect="1"/>
-          </p:cNvPicPr>
-          <p:nvPr/>
-        </p:nvPicPr>
-        <p:blipFill>
-          <a:blip r:embed="rId2"/>
-          <a:stretch>
-            <a:fillRect/>
-          </a:stretch>
-        </p:blipFill>
-        <p:spPr>
-          <a:xfrm>
-            <a:off x="12429571" y="-74428"/>
-            <a:ext cx="12425202" cy="7450851"/>
-          </a:xfrm>
-          <a:prstGeom prst="rect">
-            <a:avLst/>
-          </a:prstGeom>
-        </p:spPr>
-      </p:pic>
     </p:spTree>
     <p:extLst>
       <p:ext uri="{BB962C8B-B14F-4D97-AF65-F5344CB8AC3E}">
@@ -7682,6 +7682,36 @@
           </a:p>
         </p:txBody>
       </p:sp>
+      <p:pic>
+        <p:nvPicPr>
+          <p:cNvPr id="2" name="Kép 1">
+            <a:extLst>
+              <a:ext uri="{FF2B5EF4-FFF2-40B4-BE49-F238E27FC236}">
+                <a16:creationId xmlns:a16="http://schemas.microsoft.com/office/drawing/2014/main" id="{F6CE4CBD-482B-8A36-2BDC-F137A93BE874}"/>
+              </a:ext>
+            </a:extLst>
+          </p:cNvPr>
+          <p:cNvPicPr>
+            <a:picLocks noChangeAspect="1"/>
+          </p:cNvPicPr>
+          <p:nvPr/>
+        </p:nvPicPr>
+        <p:blipFill>
+          <a:blip r:embed="rId2"/>
+          <a:stretch>
+            <a:fillRect/>
+          </a:stretch>
+        </p:blipFill>
+        <p:spPr>
+          <a:xfrm>
+            <a:off x="6565504" y="1334349"/>
+            <a:ext cx="7772400" cy="4189301"/>
+          </a:xfrm>
+          <a:prstGeom prst="rect">
+            <a:avLst/>
+          </a:prstGeom>
+        </p:spPr>
+      </p:pic>
       <p:sp>
         <p:nvSpPr>
           <p:cNvPr id="3" name="Téglalap 2">
@@ -8362,6 +8392,36 @@
           </a:p>
         </p:txBody>
       </p:sp>
+      <p:pic>
+        <p:nvPicPr>
+          <p:cNvPr id="5" name="Kép 4">
+            <a:extLst>
+              <a:ext uri="{FF2B5EF4-FFF2-40B4-BE49-F238E27FC236}">
+                <a16:creationId xmlns:a16="http://schemas.microsoft.com/office/drawing/2014/main" id="{5F763F50-0B89-E439-27FC-9FF3C9349386}"/>
+              </a:ext>
+            </a:extLst>
+          </p:cNvPr>
+          <p:cNvPicPr>
+            <a:picLocks noChangeAspect="1"/>
+          </p:cNvPicPr>
+          <p:nvPr/>
+        </p:nvPicPr>
+        <p:blipFill>
+          <a:blip r:embed="rId2"/>
+          <a:stretch>
+            <a:fillRect/>
+          </a:stretch>
+        </p:blipFill>
+        <p:spPr>
+          <a:xfrm>
+            <a:off x="9179559" y="192773"/>
+            <a:ext cx="7772400" cy="6472454"/>
+          </a:xfrm>
+          <a:prstGeom prst="rect">
+            <a:avLst/>
+          </a:prstGeom>
+        </p:spPr>
+      </p:pic>
       <p:sp>
         <p:nvSpPr>
           <p:cNvPr id="3" name="Téglalap 2">
@@ -8675,7 +8735,7 @@
           <p:nvPr/>
         </p:nvPicPr>
         <p:blipFill>
-          <a:blip r:embed="rId2">
+          <a:blip r:embed="rId3">
             <a:extLst>
               <a:ext uri="{28A0092B-C50C-407E-A947-70E740481C1C}">
                 <a14:useLocalDpi xmlns:a14="http://schemas.microsoft.com/office/drawing/2010/main" val="0"/>
@@ -8790,7 +8850,7 @@
           <p:nvPr/>
         </p:nvPicPr>
         <p:blipFill>
-          <a:blip r:embed="rId3">
+          <a:blip r:embed="rId4">
             <a:extLst>
               <a:ext uri="{28A0092B-C50C-407E-A947-70E740481C1C}">
                 <a14:useLocalDpi xmlns:a14="http://schemas.microsoft.com/office/drawing/2010/main" val="0"/>

--- a/temp/prezentacio.pptx
+++ b/temp/prezentacio.pptx
@@ -273,7 +273,7 @@
           <a:p>
             <a:fld id="{EE4C79D7-0841-45E4-8C6F-DDB18C203C84}" type="datetimeFigureOut">
               <a:rPr lang="en-US" smtClean="0"/>
-              <a:t>7/1/25</a:t>
+              <a:t>7/3/25</a:t>
             </a:fld>
             <a:endParaRPr lang="en-US"/>
           </a:p>
@@ -485,7 +485,7 @@
           <a:p>
             <a:fld id="{EE4C79D7-0841-45E4-8C6F-DDB18C203C84}" type="datetimeFigureOut">
               <a:rPr lang="en-US" smtClean="0"/>
-              <a:t>7/1/25</a:t>
+              <a:t>7/3/25</a:t>
             </a:fld>
             <a:endParaRPr lang="en-US"/>
           </a:p>
@@ -707,7 +707,7 @@
           <a:p>
             <a:fld id="{EE4C79D7-0841-45E4-8C6F-DDB18C203C84}" type="datetimeFigureOut">
               <a:rPr lang="en-US" smtClean="0"/>
-              <a:t>7/1/25</a:t>
+              <a:t>7/3/25</a:t>
             </a:fld>
             <a:endParaRPr lang="en-US"/>
           </a:p>
@@ -919,7 +919,7 @@
           <a:p>
             <a:fld id="{EE4C79D7-0841-45E4-8C6F-DDB18C203C84}" type="datetimeFigureOut">
               <a:rPr lang="en-US" smtClean="0"/>
-              <a:t>7/1/25</a:t>
+              <a:t>7/3/25</a:t>
             </a:fld>
             <a:endParaRPr lang="en-US"/>
           </a:p>
@@ -1207,7 +1207,7 @@
           <a:p>
             <a:fld id="{EE4C79D7-0841-45E4-8C6F-DDB18C203C84}" type="datetimeFigureOut">
               <a:rPr lang="en-US" smtClean="0"/>
-              <a:t>7/1/25</a:t>
+              <a:t>7/3/25</a:t>
             </a:fld>
             <a:endParaRPr lang="en-US"/>
           </a:p>
@@ -1487,7 +1487,7 @@
           <a:p>
             <a:fld id="{EE4C79D7-0841-45E4-8C6F-DDB18C203C84}" type="datetimeFigureOut">
               <a:rPr lang="en-US" smtClean="0"/>
-              <a:t>7/1/25</a:t>
+              <a:t>7/3/25</a:t>
             </a:fld>
             <a:endParaRPr lang="en-US"/>
           </a:p>
@@ -1914,7 +1914,7 @@
           <a:p>
             <a:fld id="{EE4C79D7-0841-45E4-8C6F-DDB18C203C84}" type="datetimeFigureOut">
               <a:rPr lang="en-US" smtClean="0"/>
-              <a:t>7/1/25</a:t>
+              <a:t>7/3/25</a:t>
             </a:fld>
             <a:endParaRPr lang="en-US"/>
           </a:p>
@@ -2068,7 +2068,7 @@
           <a:p>
             <a:fld id="{EE4C79D7-0841-45E4-8C6F-DDB18C203C84}" type="datetimeFigureOut">
               <a:rPr lang="en-US" smtClean="0"/>
-              <a:t>7/1/25</a:t>
+              <a:t>7/3/25</a:t>
             </a:fld>
             <a:endParaRPr lang="en-US"/>
           </a:p>
@@ -2193,7 +2193,7 @@
           <a:p>
             <a:fld id="{EE4C79D7-0841-45E4-8C6F-DDB18C203C84}" type="datetimeFigureOut">
               <a:rPr lang="en-US" smtClean="0"/>
-              <a:t>7/1/25</a:t>
+              <a:t>7/3/25</a:t>
             </a:fld>
             <a:endParaRPr lang="en-US"/>
           </a:p>
@@ -2518,7 +2518,7 @@
           <a:p>
             <a:fld id="{EE4C79D7-0841-45E4-8C6F-DDB18C203C84}" type="datetimeFigureOut">
               <a:rPr lang="en-US" smtClean="0"/>
-              <a:t>7/1/25</a:t>
+              <a:t>7/3/25</a:t>
             </a:fld>
             <a:endParaRPr lang="en-US"/>
           </a:p>
@@ -2819,7 +2819,7 @@
           <a:p>
             <a:fld id="{EE4C79D7-0841-45E4-8C6F-DDB18C203C84}" type="datetimeFigureOut">
               <a:rPr lang="en-US" smtClean="0"/>
-              <a:t>7/1/25</a:t>
+              <a:t>7/3/25</a:t>
             </a:fld>
             <a:endParaRPr lang="en-US"/>
           </a:p>
@@ -3074,7 +3074,7 @@
           <a:p>
             <a:fld id="{EE4C79D7-0841-45E4-8C6F-DDB18C203C84}" type="datetimeFigureOut">
               <a:rPr lang="en-US" smtClean="0"/>
-              <a:t>7/1/25</a:t>
+              <a:t>7/3/25</a:t>
             </a:fld>
             <a:endParaRPr lang="en-US"/>
           </a:p>
@@ -3547,7 +3547,7 @@
         </p:nvSpPr>
         <p:spPr>
           <a:xfrm rot="856661">
-            <a:off x="4731616" y="-1252261"/>
+            <a:off x="4752636" y="-1231241"/>
             <a:ext cx="6183086" cy="9708593"/>
           </a:xfrm>
           <a:prstGeom prst="rect">
@@ -3998,7 +3998,7 @@
                 <a:effectLst/>
                 <a:latin typeface="quote-cjk-patch"/>
               </a:rPr>
-              <a:t>Háromdimenziós vizualizációk modern webfejlesztésben és optimalizálása</a:t>
+              <a:t>Háromdimenziós vizualizációk teljesítményjavítása webapplikációban</a:t>
             </a:r>
           </a:p>
           <a:p>
@@ -4291,7 +4291,7 @@
         <p:spPr>
           <a:xfrm>
             <a:off x="691675" y="1777999"/>
-            <a:ext cx="9235887" cy="2610843"/>
+            <a:ext cx="9235887" cy="3257174"/>
           </a:xfrm>
           <a:prstGeom prst="rect">
             <a:avLst/>
@@ -4303,6 +4303,23 @@
             <a:spAutoFit/>
           </a:bodyPr>
           <a:lstStyle/>
+          <a:p>
+            <a:pPr marL="285750" indent="-285750">
+              <a:lnSpc>
+                <a:spcPct val="150000"/>
+              </a:lnSpc>
+              <a:buFont typeface="Arial" panose="020B0604020202020204" pitchFamily="34" charset="0"/>
+              <a:buChar char="•"/>
+            </a:pPr>
+            <a:r>
+              <a:rPr lang="hu-HU" sz="2800" dirty="0" err="1"/>
+              <a:t>WebWorker</a:t>
+            </a:r>
+            <a:r>
+              <a:rPr lang="hu-HU" sz="2800" dirty="0"/>
+              <a:t> összekötése a főkomponenssel</a:t>
+            </a:r>
+          </a:p>
           <a:p>
             <a:pPr marL="285750" indent="-285750">
               <a:lnSpc>
@@ -5470,7 +5487,7 @@
         <p:spPr>
           <a:xfrm>
             <a:off x="853202" y="10516237"/>
-            <a:ext cx="9235887" cy="2610843"/>
+            <a:ext cx="9235887" cy="3257174"/>
           </a:xfrm>
           <a:prstGeom prst="rect">
             <a:avLst/>
@@ -5482,6 +5499,23 @@
             <a:spAutoFit/>
           </a:bodyPr>
           <a:lstStyle/>
+          <a:p>
+            <a:pPr marL="285750" indent="-285750">
+              <a:lnSpc>
+                <a:spcPct val="150000"/>
+              </a:lnSpc>
+              <a:buFont typeface="Arial" panose="020B0604020202020204" pitchFamily="34" charset="0"/>
+              <a:buChar char="•"/>
+            </a:pPr>
+            <a:r>
+              <a:rPr lang="hu-HU" sz="2800" dirty="0" err="1"/>
+              <a:t>WebWorker</a:t>
+            </a:r>
+            <a:r>
+              <a:rPr lang="hu-HU" sz="2800" dirty="0"/>
+              <a:t> összekötése a főkomponenssel</a:t>
+            </a:r>
+          </a:p>
           <a:p>
             <a:pPr marL="285750" indent="-285750">
               <a:lnSpc>
@@ -5625,7 +5659,7 @@
         <p:spPr>
           <a:xfrm>
             <a:off x="241575" y="-5152532"/>
-            <a:ext cx="10559421" cy="3257174"/>
+            <a:ext cx="10559421" cy="3903504"/>
           </a:xfrm>
           <a:prstGeom prst="rect">
             <a:avLst/>
@@ -5659,11 +5693,34 @@
               <a:buChar char="•"/>
             </a:pPr>
             <a:r>
+              <a:rPr lang="hu-HU" sz="2800" b="0" i="0" dirty="0" err="1">
+                <a:effectLst/>
+                <a:latin typeface="quote-cjk-patch"/>
+              </a:rPr>
+              <a:t>Teljesítménybeli</a:t>
+            </a:r>
+            <a:r>
               <a:rPr lang="hu-HU" sz="2800" b="0" i="0" dirty="0">
                 <a:effectLst/>
                 <a:latin typeface="quote-cjk-patch"/>
               </a:rPr>
-              <a:t>Optimalizált, interaktív 3D modell valós csillagászati adatokkal</a:t>
+              <a:t> javulás</a:t>
+            </a:r>
+          </a:p>
+          <a:p>
+            <a:pPr marL="1200150" lvl="2" indent="-285750">
+              <a:lnSpc>
+                <a:spcPct val="150000"/>
+              </a:lnSpc>
+              <a:buFont typeface="Arial" panose="020B0604020202020204" pitchFamily="34" charset="0"/>
+              <a:buChar char="•"/>
+            </a:pPr>
+            <a:r>
+              <a:rPr lang="hu-HU" sz="2800" b="0" i="0" dirty="0">
+                <a:effectLst/>
+                <a:latin typeface="quote-cjk-patch"/>
+              </a:rPr>
+              <a:t>interaktív 3D modell valós csillagászati adatokkal</a:t>
             </a:r>
           </a:p>
           <a:p>
@@ -5943,111 +6000,6 @@
       </p:sp>
       <p:sp>
         <p:nvSpPr>
-          <p:cNvPr id="10" name="Szövegdoboz 9">
-            <a:extLst>
-              <a:ext uri="{FF2B5EF4-FFF2-40B4-BE49-F238E27FC236}">
-                <a16:creationId xmlns:a16="http://schemas.microsoft.com/office/drawing/2014/main" id="{EDCBD818-8650-93B7-2F0A-C5EB59C0E3A0}"/>
-              </a:ext>
-            </a:extLst>
-          </p:cNvPr>
-          <p:cNvSpPr txBox="1"/>
-          <p:nvPr/>
-        </p:nvSpPr>
-        <p:spPr>
-          <a:xfrm>
-            <a:off x="691675" y="1777999"/>
-            <a:ext cx="10559421" cy="3257174"/>
-          </a:xfrm>
-          <a:prstGeom prst="rect">
-            <a:avLst/>
-          </a:prstGeom>
-          <a:noFill/>
-        </p:spPr>
-        <p:txBody>
-          <a:bodyPr wrap="square" rtlCol="0">
-            <a:spAutoFit/>
-          </a:bodyPr>
-          <a:lstStyle/>
-          <a:p>
-            <a:pPr marL="285750" indent="-285750">
-              <a:lnSpc>
-                <a:spcPct val="150000"/>
-              </a:lnSpc>
-              <a:buFont typeface="Arial" panose="020B0604020202020204" pitchFamily="34" charset="0"/>
-              <a:buChar char="•"/>
-            </a:pPr>
-            <a:r>
-              <a:rPr lang="hu-HU" sz="2800" dirty="0"/>
-              <a:t>Elért eredmények</a:t>
-            </a:r>
-          </a:p>
-          <a:p>
-            <a:pPr marL="742950" lvl="1" indent="-285750">
-              <a:lnSpc>
-                <a:spcPct val="150000"/>
-              </a:lnSpc>
-              <a:buFont typeface="Arial" panose="020B0604020202020204" pitchFamily="34" charset="0"/>
-              <a:buChar char="•"/>
-            </a:pPr>
-            <a:r>
-              <a:rPr lang="hu-HU" sz="2800" b="0" i="0" dirty="0">
-                <a:effectLst/>
-                <a:latin typeface="quote-cjk-patch"/>
-              </a:rPr>
-              <a:t>Optimalizált, interaktív 3D modell valós csillagászati adatokkal</a:t>
-            </a:r>
-          </a:p>
-          <a:p>
-            <a:pPr marL="742950" lvl="1" indent="-285750">
-              <a:lnSpc>
-                <a:spcPct val="150000"/>
-              </a:lnSpc>
-              <a:buFont typeface="Arial" panose="020B0604020202020204" pitchFamily="34" charset="0"/>
-              <a:buChar char="•"/>
-            </a:pPr>
-            <a:r>
-              <a:rPr lang="hu-HU" sz="2800" b="0" i="0" dirty="0">
-                <a:effectLst/>
-                <a:latin typeface="quote-cjk-patch"/>
-              </a:rPr>
-              <a:t>Bizonyított teljesítményjavulás (FPS, erőforrásigény)</a:t>
-            </a:r>
-          </a:p>
-          <a:p>
-            <a:pPr marL="1200150" lvl="2" indent="-285750">
-              <a:lnSpc>
-                <a:spcPct val="150000"/>
-              </a:lnSpc>
-              <a:buFont typeface="Arial" panose="020B0604020202020204" pitchFamily="34" charset="0"/>
-              <a:buChar char="•"/>
-            </a:pPr>
-            <a:r>
-              <a:rPr lang="hu-HU" sz="2800" dirty="0">
-                <a:latin typeface="quote-cjk-patch"/>
-              </a:rPr>
-              <a:t>Több szálon való futtatás hasznossága</a:t>
-            </a:r>
-          </a:p>
-          <a:p>
-            <a:pPr marL="742950" lvl="1" indent="-285750">
-              <a:lnSpc>
-                <a:spcPct val="150000"/>
-              </a:lnSpc>
-              <a:buFont typeface="Arial" panose="020B0604020202020204" pitchFamily="34" charset="0"/>
-              <a:buChar char="•"/>
-            </a:pPr>
-            <a:r>
-              <a:rPr lang="hu-HU" sz="2800" dirty="0">
-                <a:latin typeface="quote-cjk-patch"/>
-              </a:rPr>
-              <a:t>Nyílt forráskódú modell oktatási célokra</a:t>
-            </a:r>
-            <a:endParaRPr lang="hu-HU" sz="2800" dirty="0"/>
-          </a:p>
-        </p:txBody>
-      </p:sp>
-      <p:sp>
-        <p:nvSpPr>
           <p:cNvPr id="9" name="Cím 1">
             <a:extLst>
               <a:ext uri="{FF2B5EF4-FFF2-40B4-BE49-F238E27FC236}">
@@ -6405,6 +6357,134 @@
             <a:r>
               <a:rPr lang="hu-HU" sz="2800" dirty="0" err="1"/>
               <a:t>learninggel</a:t>
+            </a:r>
+            <a:endParaRPr lang="hu-HU" sz="2800" dirty="0"/>
+          </a:p>
+        </p:txBody>
+      </p:sp>
+      <p:sp>
+        <p:nvSpPr>
+          <p:cNvPr id="10" name="Szövegdoboz 9">
+            <a:extLst>
+              <a:ext uri="{FF2B5EF4-FFF2-40B4-BE49-F238E27FC236}">
+                <a16:creationId xmlns:a16="http://schemas.microsoft.com/office/drawing/2014/main" id="{EDCBD818-8650-93B7-2F0A-C5EB59C0E3A0}"/>
+              </a:ext>
+            </a:extLst>
+          </p:cNvPr>
+          <p:cNvSpPr txBox="1"/>
+          <p:nvPr/>
+        </p:nvSpPr>
+        <p:spPr>
+          <a:xfrm>
+            <a:off x="691675" y="1777999"/>
+            <a:ext cx="10559421" cy="3903504"/>
+          </a:xfrm>
+          <a:prstGeom prst="rect">
+            <a:avLst/>
+          </a:prstGeom>
+          <a:noFill/>
+        </p:spPr>
+        <p:txBody>
+          <a:bodyPr wrap="square" rtlCol="0">
+            <a:spAutoFit/>
+          </a:bodyPr>
+          <a:lstStyle/>
+          <a:p>
+            <a:pPr marL="285750" indent="-285750">
+              <a:lnSpc>
+                <a:spcPct val="150000"/>
+              </a:lnSpc>
+              <a:buFont typeface="Arial" panose="020B0604020202020204" pitchFamily="34" charset="0"/>
+              <a:buChar char="•"/>
+            </a:pPr>
+            <a:r>
+              <a:rPr lang="hu-HU" sz="2800" dirty="0"/>
+              <a:t>Elért eredmények</a:t>
+            </a:r>
+          </a:p>
+          <a:p>
+            <a:pPr marL="742950" lvl="1" indent="-285750">
+              <a:lnSpc>
+                <a:spcPct val="150000"/>
+              </a:lnSpc>
+              <a:buFont typeface="Arial" panose="020B0604020202020204" pitchFamily="34" charset="0"/>
+              <a:buChar char="•"/>
+            </a:pPr>
+            <a:r>
+              <a:rPr lang="hu-HU" sz="2800" b="0" i="0" dirty="0" err="1">
+                <a:effectLst/>
+                <a:latin typeface="quote-cjk-patch"/>
+              </a:rPr>
+              <a:t>Teljesítménybeli</a:t>
+            </a:r>
+            <a:r>
+              <a:rPr lang="hu-HU" sz="2800" b="0" i="0" dirty="0">
+                <a:effectLst/>
+                <a:latin typeface="quote-cjk-patch"/>
+              </a:rPr>
+              <a:t> javulás</a:t>
+            </a:r>
+          </a:p>
+          <a:p>
+            <a:pPr marL="1200150" lvl="2" indent="-285750">
+              <a:lnSpc>
+                <a:spcPct val="150000"/>
+              </a:lnSpc>
+              <a:buFont typeface="Arial" panose="020B0604020202020204" pitchFamily="34" charset="0"/>
+              <a:buChar char="•"/>
+            </a:pPr>
+            <a:r>
+              <a:rPr lang="hu-HU" sz="2800" b="0" i="0" dirty="0">
+                <a:effectLst/>
+                <a:latin typeface="quote-cjk-patch"/>
+              </a:rPr>
+              <a:t>interaktív 3D modell valós csillagászati adatokkal</a:t>
+            </a:r>
+          </a:p>
+          <a:p>
+            <a:pPr marL="742950" lvl="1" indent="-285750">
+              <a:lnSpc>
+                <a:spcPct val="150000"/>
+              </a:lnSpc>
+              <a:buFont typeface="Arial" panose="020B0604020202020204" pitchFamily="34" charset="0"/>
+              <a:buChar char="•"/>
+            </a:pPr>
+            <a:r>
+              <a:rPr lang="hu-HU" sz="2800" b="0" i="0" dirty="0">
+                <a:effectLst/>
+                <a:latin typeface="quote-cjk-patch"/>
+              </a:rPr>
+              <a:t>Bizonyított teljesítményjavulás (FPS, erőforrásigény)</a:t>
+            </a:r>
+          </a:p>
+          <a:p>
+            <a:pPr marL="1200150" lvl="2" indent="-285750">
+              <a:lnSpc>
+                <a:spcPct val="150000"/>
+              </a:lnSpc>
+              <a:buFont typeface="Arial" panose="020B0604020202020204" pitchFamily="34" charset="0"/>
+              <a:buChar char="•"/>
+            </a:pPr>
+            <a:r>
+              <a:rPr lang="hu-HU" sz="2800" dirty="0">
+                <a:latin typeface="quote-cjk-patch"/>
+              </a:rPr>
+              <a:t>Több szálon való futtatás hasznossága</a:t>
+            </a:r>
+          </a:p>
+          <a:p>
+            <a:pPr marL="742950" lvl="1" indent="-285750">
+              <a:lnSpc>
+                <a:spcPct val="150000"/>
+              </a:lnSpc>
+              <a:buFont typeface="Arial" panose="020B0604020202020204" pitchFamily="34" charset="0"/>
+              <a:buChar char="•"/>
+            </a:pPr>
+            <a:r>
+              <a:rPr lang="hu-HU" sz="2800" dirty="0">
+                <a:latin typeface="quote-cjk-patch"/>
+              </a:rPr>
+              <a:t>Nyílt forráskódú modell oktatási célokra</a:t>
             </a:r>
             <a:endParaRPr lang="hu-HU" sz="2800" dirty="0"/>
           </a:p>
@@ -6666,7 +6746,7 @@
         <p:spPr>
           <a:xfrm>
             <a:off x="939752" y="11640456"/>
-            <a:ext cx="10559421" cy="3257174"/>
+            <a:ext cx="10559421" cy="3903504"/>
           </a:xfrm>
           <a:prstGeom prst="rect">
             <a:avLst/>
@@ -6700,11 +6780,34 @@
               <a:buChar char="•"/>
             </a:pPr>
             <a:r>
+              <a:rPr lang="hu-HU" sz="2800" b="0" i="0" dirty="0" err="1">
+                <a:effectLst/>
+                <a:latin typeface="quote-cjk-patch"/>
+              </a:rPr>
+              <a:t>Teljesítménybeli</a:t>
+            </a:r>
+            <a:r>
               <a:rPr lang="hu-HU" sz="2800" b="0" i="0" dirty="0">
                 <a:effectLst/>
                 <a:latin typeface="quote-cjk-patch"/>
               </a:rPr>
-              <a:t>Optimalizált, interaktív 3D modell valós csillagászati adatokkal</a:t>
+              <a:t> javulás</a:t>
+            </a:r>
+          </a:p>
+          <a:p>
+            <a:pPr marL="1200150" lvl="2" indent="-285750">
+              <a:lnSpc>
+                <a:spcPct val="150000"/>
+              </a:lnSpc>
+              <a:buFont typeface="Arial" panose="020B0604020202020204" pitchFamily="34" charset="0"/>
+              <a:buChar char="•"/>
+            </a:pPr>
+            <a:r>
+              <a:rPr lang="hu-HU" sz="2800" b="0" i="0" dirty="0">
+                <a:effectLst/>
+                <a:latin typeface="quote-cjk-patch"/>
+              </a:rPr>
+              <a:t>interaktív 3D modell valós csillagászati adatokkal</a:t>
             </a:r>
           </a:p>
           <a:p>
@@ -7052,7 +7155,7 @@
                 <a:effectLst/>
                 <a:latin typeface="quote-cjk-patch"/>
               </a:rPr>
-              <a:t>Háromdimenziós vizualizációk modern webfejlesztésben és optimalizálása</a:t>
+              <a:t>Háromdimenziós vizualizációk teljesítményjavítása webapplikációban</a:t>
             </a:r>
           </a:p>
           <a:p>
@@ -7398,7 +7501,7 @@
         <p:spPr>
           <a:xfrm>
             <a:off x="-241575" y="-9226497"/>
-            <a:ext cx="7460433" cy="4549835"/>
+            <a:ext cx="7460433" cy="3903504"/>
           </a:xfrm>
           <a:prstGeom prst="rect">
             <a:avLst/>
@@ -7423,27 +7526,11 @@
                 <a:effectLst/>
                 <a:latin typeface="quote-cjk-patch"/>
               </a:rPr>
-              <a:t>Kihívások</a:t>
-            </a:r>
-          </a:p>
-          <a:p>
-            <a:pPr marL="742950" lvl="1" indent="-285750">
-              <a:lnSpc>
-                <a:spcPct val="150000"/>
-              </a:lnSpc>
-              <a:buFont typeface="Arial" panose="020B0604020202020204" pitchFamily="34" charset="0"/>
-              <a:buChar char="•"/>
-            </a:pPr>
-            <a:r>
-              <a:rPr lang="hu-HU" sz="2800" b="0" i="0" dirty="0">
-                <a:effectLst/>
-                <a:latin typeface="quote-cjk-patch"/>
-              </a:rPr>
               <a:t>Teljesítményoptimalizáció komplex 3D modelleknél</a:t>
             </a:r>
           </a:p>
           <a:p>
-            <a:pPr marL="742950" lvl="1" indent="-285750">
+            <a:pPr marL="285750" indent="-285750">
               <a:lnSpc>
                 <a:spcPct val="150000"/>
               </a:lnSpc>
@@ -7848,7 +7935,7 @@
         <p:spPr>
           <a:xfrm>
             <a:off x="691675" y="1777999"/>
-            <a:ext cx="7460433" cy="4549835"/>
+            <a:ext cx="7460433" cy="3903504"/>
           </a:xfrm>
           <a:prstGeom prst="rect">
             <a:avLst/>
@@ -7873,27 +7960,11 @@
                 <a:effectLst/>
                 <a:latin typeface="quote-cjk-patch"/>
               </a:rPr>
-              <a:t>Kihívások</a:t>
-            </a:r>
-          </a:p>
-          <a:p>
-            <a:pPr marL="742950" lvl="1" indent="-285750">
-              <a:lnSpc>
-                <a:spcPct val="150000"/>
-              </a:lnSpc>
-              <a:buFont typeface="Arial" panose="020B0604020202020204" pitchFamily="34" charset="0"/>
-              <a:buChar char="•"/>
-            </a:pPr>
-            <a:r>
-              <a:rPr lang="hu-HU" sz="2800" b="0" i="0" dirty="0">
-                <a:effectLst/>
-                <a:latin typeface="quote-cjk-patch"/>
-              </a:rPr>
               <a:t>Teljesítményoptimalizáció komplex 3D modelleknél</a:t>
             </a:r>
           </a:p>
           <a:p>
-            <a:pPr marL="742950" lvl="1" indent="-285750">
+            <a:pPr marL="285750" indent="-285750">
               <a:lnSpc>
                 <a:spcPct val="150000"/>
               </a:lnSpc>
@@ -8265,7 +8336,7 @@
                 <a:effectLst/>
                 <a:latin typeface="quote-cjk-patch"/>
               </a:rPr>
-              <a:t>Háromdimenziós vizualizációk modern webfejlesztésben és optimalizálása</a:t>
+              <a:t>Háromdimenziós vizualizációk teljesítményjavítása webapplikációban</a:t>
             </a:r>
           </a:p>
           <a:p>
@@ -8897,7 +8968,7 @@
         <p:spPr>
           <a:xfrm>
             <a:off x="631643" y="12430759"/>
-            <a:ext cx="7460433" cy="4549835"/>
+            <a:ext cx="7460433" cy="3903504"/>
           </a:xfrm>
           <a:prstGeom prst="rect">
             <a:avLst/>
@@ -8922,27 +8993,11 @@
                 <a:effectLst/>
                 <a:latin typeface="quote-cjk-patch"/>
               </a:rPr>
-              <a:t>Kihívások</a:t>
-            </a:r>
-          </a:p>
-          <a:p>
-            <a:pPr marL="742950" lvl="1" indent="-285750">
-              <a:lnSpc>
-                <a:spcPct val="150000"/>
-              </a:lnSpc>
-              <a:buFont typeface="Arial" panose="020B0604020202020204" pitchFamily="34" charset="0"/>
-              <a:buChar char="•"/>
-            </a:pPr>
-            <a:r>
-              <a:rPr lang="hu-HU" sz="2800" b="0" i="0" dirty="0">
-                <a:effectLst/>
-                <a:latin typeface="quote-cjk-patch"/>
-              </a:rPr>
               <a:t>Teljesítményoptimalizáció komplex 3D modelleknél</a:t>
             </a:r>
           </a:p>
           <a:p>
-            <a:pPr marL="742950" lvl="1" indent="-285750">
+            <a:pPr marL="285750" indent="-285750">
               <a:lnSpc>
                 <a:spcPct val="150000"/>
               </a:lnSpc>
@@ -9585,7 +9640,7 @@
         <p:spPr>
           <a:xfrm>
             <a:off x="241575" y="-5375949"/>
-            <a:ext cx="9235887" cy="3903504"/>
+            <a:ext cx="9235887" cy="4549835"/>
           </a:xfrm>
           <a:prstGeom prst="rect">
             <a:avLst/>
@@ -9643,66 +9698,8 @@
               <a:buChar char="•"/>
             </a:pPr>
             <a:r>
-              <a:rPr lang="hu-HU" sz="2800">
-                <a:latin typeface="quote-cjk-patch"/>
-              </a:rPr>
-              <a:t>Terhelés mérése: </a:t>
-            </a:r>
-            <a:r>
-              <a:rPr lang="hu-HU" sz="2800" b="0" i="0" dirty="0">
-                <a:effectLst/>
-                <a:latin typeface="quote-cjk-patch"/>
-              </a:rPr>
-              <a:t>Chrome </a:t>
-            </a:r>
-            <a:r>
-              <a:rPr lang="hu-HU" sz="2800" b="0" i="0" dirty="0" err="1">
-                <a:effectLst/>
-                <a:latin typeface="quote-cjk-patch"/>
-              </a:rPr>
-              <a:t>DevTools</a:t>
-            </a:r>
-            <a:r>
-              <a:rPr lang="hu-HU" sz="2800" b="0" i="0" dirty="0">
-                <a:effectLst/>
-                <a:latin typeface="quote-cjk-patch"/>
-              </a:rPr>
-              <a:t> + </a:t>
-            </a:r>
-            <a:r>
-              <a:rPr lang="hu-HU" sz="2800" b="0" i="0" dirty="0" err="1">
-                <a:effectLst/>
-                <a:latin typeface="quote-cjk-patch"/>
-              </a:rPr>
-              <a:t>ThreeJS</a:t>
-            </a:r>
-            <a:r>
-              <a:rPr lang="hu-HU" sz="2800" b="0" i="0" dirty="0">
-                <a:effectLst/>
-                <a:latin typeface="quote-cjk-patch"/>
-              </a:rPr>
-              <a:t> </a:t>
-            </a:r>
-            <a:r>
-              <a:rPr lang="hu-HU" sz="2800" b="0" i="0" dirty="0" err="1">
-                <a:effectLst/>
-                <a:latin typeface="quote-cjk-patch"/>
-              </a:rPr>
-              <a:t>stats.js</a:t>
-            </a:r>
-            <a:endParaRPr lang="hu-HU" sz="2800" dirty="0"/>
-          </a:p>
-          <a:p>
-            <a:pPr marL="285750" indent="-285750">
-              <a:lnSpc>
-                <a:spcPct val="150000"/>
-              </a:lnSpc>
-              <a:buFont typeface="Arial" panose="020B0604020202020204" pitchFamily="34" charset="0"/>
-              <a:buChar char="•"/>
-            </a:pPr>
-            <a:r>
               <a:rPr lang="hu-HU" sz="2800" dirty="0"/>
-              <a:t>Optimalizációk</a:t>
+              <a:t>Teljesítményjavítások</a:t>
             </a:r>
           </a:p>
           <a:p>
@@ -9731,67 +9728,62 @@
               <a:buChar char="•"/>
             </a:pPr>
             <a:r>
-              <a:rPr lang="hu-HU" sz="2800" dirty="0"/>
-              <a:t>GPU gyorsítás - </a:t>
-            </a:r>
-            <a:r>
-              <a:rPr lang="hu-HU" sz="2800" b="0" i="0" dirty="0" err="1">
-                <a:effectLst/>
-                <a:latin typeface="quote-cjk-patch"/>
-              </a:rPr>
-              <a:t>InstancedMesh</a:t>
-            </a:r>
-            <a:r>
-              <a:rPr lang="hu-HU" sz="2800" b="0" i="0" dirty="0">
-                <a:effectLst/>
-                <a:latin typeface="quote-cjk-patch"/>
-              </a:rPr>
-              <a:t>, LOD (</a:t>
-            </a:r>
-            <a:r>
-              <a:rPr lang="hu-HU" sz="2800" b="0" i="0" dirty="0" err="1">
-                <a:effectLst/>
-                <a:latin typeface="quote-cjk-patch"/>
-              </a:rPr>
-              <a:t>Level</a:t>
-            </a:r>
-            <a:r>
-              <a:rPr lang="hu-HU" sz="2800" b="0" i="0" dirty="0">
-                <a:effectLst/>
-                <a:latin typeface="quote-cjk-patch"/>
-              </a:rPr>
-              <a:t> of </a:t>
-            </a:r>
-            <a:r>
-              <a:rPr lang="hu-HU" sz="2800" b="0" i="0" dirty="0" err="1">
-                <a:effectLst/>
-                <a:latin typeface="quote-cjk-patch"/>
-              </a:rPr>
-              <a:t>Detail</a:t>
-            </a:r>
-            <a:r>
-              <a:rPr lang="hu-HU" sz="2800" b="0" i="0" dirty="0">
-                <a:effectLst/>
-                <a:latin typeface="quote-cjk-patch"/>
-              </a:rPr>
-              <a:t>)</a:t>
-            </a:r>
-          </a:p>
-          <a:p>
-            <a:pPr marL="742950" lvl="1" indent="-285750">
-              <a:lnSpc>
-                <a:spcPct val="150000"/>
-              </a:lnSpc>
-              <a:buFont typeface="Arial" panose="020B0604020202020204" pitchFamily="34" charset="0"/>
-              <a:buChar char="•"/>
-            </a:pPr>
-            <a:r>
               <a:rPr lang="hu-HU" sz="2800" dirty="0">
                 <a:latin typeface="quote-cjk-patch"/>
               </a:rPr>
               <a:t>Memóriakezelés – Dinamikus textúrabetöltés</a:t>
             </a:r>
-            <a:endParaRPr lang="hu-HU" sz="2800" dirty="0"/>
+          </a:p>
+          <a:p>
+            <a:pPr marL="285750" indent="-285750">
+              <a:lnSpc>
+                <a:spcPct val="150000"/>
+              </a:lnSpc>
+              <a:buFont typeface="Arial" panose="020B0604020202020204" pitchFamily="34" charset="0"/>
+              <a:buChar char="•"/>
+            </a:pPr>
+            <a:r>
+              <a:rPr lang="hu-HU" sz="2800" dirty="0">
+                <a:latin typeface="quote-cjk-patch"/>
+              </a:rPr>
+              <a:t>Mérések összegzése</a:t>
+            </a:r>
+          </a:p>
+          <a:p>
+            <a:pPr marL="742950" lvl="1" indent="-285750">
+              <a:lnSpc>
+                <a:spcPct val="150000"/>
+              </a:lnSpc>
+              <a:buFont typeface="Arial" panose="020B0604020202020204" pitchFamily="34" charset="0"/>
+              <a:buChar char="•"/>
+            </a:pPr>
+            <a:r>
+              <a:rPr lang="hu-HU" sz="2800" dirty="0">
+                <a:latin typeface="quote-cjk-patch"/>
+              </a:rPr>
+              <a:t>5 mérés átlaga háromféle gépen</a:t>
+            </a:r>
+          </a:p>
+          <a:p>
+            <a:pPr marL="742950" lvl="1" indent="-285750">
+              <a:lnSpc>
+                <a:spcPct val="150000"/>
+              </a:lnSpc>
+              <a:buFont typeface="Arial" panose="020B0604020202020204" pitchFamily="34" charset="0"/>
+              <a:buChar char="•"/>
+            </a:pPr>
+            <a:r>
+              <a:rPr lang="hu-HU" sz="2800" dirty="0" err="1">
+                <a:latin typeface="quote-cjk-patch"/>
+              </a:rPr>
+              <a:t>WebWorkerrel</a:t>
+            </a:r>
+            <a:r>
+              <a:rPr lang="hu-HU" sz="2800" dirty="0">
+                <a:latin typeface="quote-cjk-patch"/>
+              </a:rPr>
+              <a:t> és anélkül</a:t>
+            </a:r>
           </a:p>
         </p:txBody>
       </p:sp>
@@ -10073,7 +10065,7 @@
         </p:blipFill>
         <p:spPr>
           <a:xfrm>
-            <a:off x="4216235" y="6030252"/>
+            <a:off x="4216235" y="6260998"/>
             <a:ext cx="7772400" cy="597002"/>
           </a:xfrm>
           <a:prstGeom prst="rect">
@@ -10096,7 +10088,7 @@
         <p:spPr>
           <a:xfrm>
             <a:off x="691675" y="1777999"/>
-            <a:ext cx="9235887" cy="3903504"/>
+            <a:ext cx="9235887" cy="4549835"/>
           </a:xfrm>
           <a:prstGeom prst="rect">
             <a:avLst/>
@@ -10154,66 +10146,8 @@
               <a:buChar char="•"/>
             </a:pPr>
             <a:r>
-              <a:rPr lang="hu-HU" sz="2800">
-                <a:latin typeface="quote-cjk-patch"/>
-              </a:rPr>
-              <a:t>Terhelés mérése: </a:t>
-            </a:r>
-            <a:r>
-              <a:rPr lang="hu-HU" sz="2800" b="0" i="0" dirty="0">
-                <a:effectLst/>
-                <a:latin typeface="quote-cjk-patch"/>
-              </a:rPr>
-              <a:t>Chrome </a:t>
-            </a:r>
-            <a:r>
-              <a:rPr lang="hu-HU" sz="2800" b="0" i="0" dirty="0" err="1">
-                <a:effectLst/>
-                <a:latin typeface="quote-cjk-patch"/>
-              </a:rPr>
-              <a:t>DevTools</a:t>
-            </a:r>
-            <a:r>
-              <a:rPr lang="hu-HU" sz="2800" b="0" i="0" dirty="0">
-                <a:effectLst/>
-                <a:latin typeface="quote-cjk-patch"/>
-              </a:rPr>
-              <a:t> + </a:t>
-            </a:r>
-            <a:r>
-              <a:rPr lang="hu-HU" sz="2800" b="0" i="0" dirty="0" err="1">
-                <a:effectLst/>
-                <a:latin typeface="quote-cjk-patch"/>
-              </a:rPr>
-              <a:t>ThreeJS</a:t>
-            </a:r>
-            <a:r>
-              <a:rPr lang="hu-HU" sz="2800" b="0" i="0" dirty="0">
-                <a:effectLst/>
-                <a:latin typeface="quote-cjk-patch"/>
-              </a:rPr>
-              <a:t> </a:t>
-            </a:r>
-            <a:r>
-              <a:rPr lang="hu-HU" sz="2800" b="0" i="0" dirty="0" err="1">
-                <a:effectLst/>
-                <a:latin typeface="quote-cjk-patch"/>
-              </a:rPr>
-              <a:t>stats.js</a:t>
-            </a:r>
-            <a:endParaRPr lang="hu-HU" sz="2800" dirty="0"/>
-          </a:p>
-          <a:p>
-            <a:pPr marL="285750" indent="-285750">
-              <a:lnSpc>
-                <a:spcPct val="150000"/>
-              </a:lnSpc>
-              <a:buFont typeface="Arial" panose="020B0604020202020204" pitchFamily="34" charset="0"/>
-              <a:buChar char="•"/>
-            </a:pPr>
-            <a:r>
               <a:rPr lang="hu-HU" sz="2800" dirty="0"/>
-              <a:t>Optimalizációk</a:t>
+              <a:t>Teljesítményjavítások</a:t>
             </a:r>
           </a:p>
           <a:p>
@@ -10242,67 +10176,62 @@
               <a:buChar char="•"/>
             </a:pPr>
             <a:r>
-              <a:rPr lang="hu-HU" sz="2800" dirty="0"/>
-              <a:t>GPU gyorsítás - </a:t>
-            </a:r>
-            <a:r>
-              <a:rPr lang="hu-HU" sz="2800" b="0" i="0" dirty="0" err="1">
-                <a:effectLst/>
-                <a:latin typeface="quote-cjk-patch"/>
-              </a:rPr>
-              <a:t>InstancedMesh</a:t>
-            </a:r>
-            <a:r>
-              <a:rPr lang="hu-HU" sz="2800" b="0" i="0" dirty="0">
-                <a:effectLst/>
-                <a:latin typeface="quote-cjk-patch"/>
-              </a:rPr>
-              <a:t>, LOD (</a:t>
-            </a:r>
-            <a:r>
-              <a:rPr lang="hu-HU" sz="2800" b="0" i="0" dirty="0" err="1">
-                <a:effectLst/>
-                <a:latin typeface="quote-cjk-patch"/>
-              </a:rPr>
-              <a:t>Level</a:t>
-            </a:r>
-            <a:r>
-              <a:rPr lang="hu-HU" sz="2800" b="0" i="0" dirty="0">
-                <a:effectLst/>
-                <a:latin typeface="quote-cjk-patch"/>
-              </a:rPr>
-              <a:t> of </a:t>
-            </a:r>
-            <a:r>
-              <a:rPr lang="hu-HU" sz="2800" b="0" i="0" dirty="0" err="1">
-                <a:effectLst/>
-                <a:latin typeface="quote-cjk-patch"/>
-              </a:rPr>
-              <a:t>Detail</a:t>
-            </a:r>
-            <a:r>
-              <a:rPr lang="hu-HU" sz="2800" b="0" i="0" dirty="0">
-                <a:effectLst/>
-                <a:latin typeface="quote-cjk-patch"/>
-              </a:rPr>
-              <a:t>)</a:t>
-            </a:r>
-          </a:p>
-          <a:p>
-            <a:pPr marL="742950" lvl="1" indent="-285750">
-              <a:lnSpc>
-                <a:spcPct val="150000"/>
-              </a:lnSpc>
-              <a:buFont typeface="Arial" panose="020B0604020202020204" pitchFamily="34" charset="0"/>
-              <a:buChar char="•"/>
-            </a:pPr>
-            <a:r>
               <a:rPr lang="hu-HU" sz="2800" dirty="0">
                 <a:latin typeface="quote-cjk-patch"/>
               </a:rPr>
               <a:t>Memóriakezelés – Dinamikus textúrabetöltés</a:t>
             </a:r>
-            <a:endParaRPr lang="hu-HU" sz="2800" dirty="0"/>
+          </a:p>
+          <a:p>
+            <a:pPr marL="285750" indent="-285750">
+              <a:lnSpc>
+                <a:spcPct val="150000"/>
+              </a:lnSpc>
+              <a:buFont typeface="Arial" panose="020B0604020202020204" pitchFamily="34" charset="0"/>
+              <a:buChar char="•"/>
+            </a:pPr>
+            <a:r>
+              <a:rPr lang="hu-HU" sz="2800" dirty="0">
+                <a:latin typeface="quote-cjk-patch"/>
+              </a:rPr>
+              <a:t>Mérések összegzése</a:t>
+            </a:r>
+          </a:p>
+          <a:p>
+            <a:pPr marL="742950" lvl="1" indent="-285750">
+              <a:lnSpc>
+                <a:spcPct val="150000"/>
+              </a:lnSpc>
+              <a:buFont typeface="Arial" panose="020B0604020202020204" pitchFamily="34" charset="0"/>
+              <a:buChar char="•"/>
+            </a:pPr>
+            <a:r>
+              <a:rPr lang="hu-HU" sz="2800" dirty="0">
+                <a:latin typeface="quote-cjk-patch"/>
+              </a:rPr>
+              <a:t>5 mérés átlaga háromféle gépen</a:t>
+            </a:r>
+          </a:p>
+          <a:p>
+            <a:pPr marL="742950" lvl="1" indent="-285750">
+              <a:lnSpc>
+                <a:spcPct val="150000"/>
+              </a:lnSpc>
+              <a:buFont typeface="Arial" panose="020B0604020202020204" pitchFamily="34" charset="0"/>
+              <a:buChar char="•"/>
+            </a:pPr>
+            <a:r>
+              <a:rPr lang="hu-HU" sz="2800" dirty="0" err="1">
+                <a:latin typeface="quote-cjk-patch"/>
+              </a:rPr>
+              <a:t>WebWorkerrel</a:t>
+            </a:r>
+            <a:r>
+              <a:rPr lang="hu-HU" sz="2800" dirty="0">
+                <a:latin typeface="quote-cjk-patch"/>
+              </a:rPr>
+              <a:t> és anélkül</a:t>
+            </a:r>
           </a:p>
         </p:txBody>
       </p:sp>
@@ -11031,7 +10960,7 @@
         <p:spPr>
           <a:xfrm>
             <a:off x="241575" y="11639063"/>
-            <a:ext cx="9235887" cy="3903504"/>
+            <a:ext cx="9235887" cy="4549835"/>
           </a:xfrm>
           <a:prstGeom prst="rect">
             <a:avLst/>
@@ -11089,66 +11018,8 @@
               <a:buChar char="•"/>
             </a:pPr>
             <a:r>
-              <a:rPr lang="hu-HU" sz="2800">
-                <a:latin typeface="quote-cjk-patch"/>
-              </a:rPr>
-              <a:t>Terhelés mérése: </a:t>
-            </a:r>
-            <a:r>
-              <a:rPr lang="hu-HU" sz="2800" b="0" i="0" dirty="0">
-                <a:effectLst/>
-                <a:latin typeface="quote-cjk-patch"/>
-              </a:rPr>
-              <a:t>Chrome </a:t>
-            </a:r>
-            <a:r>
-              <a:rPr lang="hu-HU" sz="2800" b="0" i="0" dirty="0" err="1">
-                <a:effectLst/>
-                <a:latin typeface="quote-cjk-patch"/>
-              </a:rPr>
-              <a:t>DevTools</a:t>
-            </a:r>
-            <a:r>
-              <a:rPr lang="hu-HU" sz="2800" b="0" i="0" dirty="0">
-                <a:effectLst/>
-                <a:latin typeface="quote-cjk-patch"/>
-              </a:rPr>
-              <a:t> + </a:t>
-            </a:r>
-            <a:r>
-              <a:rPr lang="hu-HU" sz="2800" b="0" i="0" dirty="0" err="1">
-                <a:effectLst/>
-                <a:latin typeface="quote-cjk-patch"/>
-              </a:rPr>
-              <a:t>ThreeJS</a:t>
-            </a:r>
-            <a:r>
-              <a:rPr lang="hu-HU" sz="2800" b="0" i="0" dirty="0">
-                <a:effectLst/>
-                <a:latin typeface="quote-cjk-patch"/>
-              </a:rPr>
-              <a:t> </a:t>
-            </a:r>
-            <a:r>
-              <a:rPr lang="hu-HU" sz="2800" b="0" i="0" dirty="0" err="1">
-                <a:effectLst/>
-                <a:latin typeface="quote-cjk-patch"/>
-              </a:rPr>
-              <a:t>stats.js</a:t>
-            </a:r>
-            <a:endParaRPr lang="hu-HU" sz="2800" dirty="0"/>
-          </a:p>
-          <a:p>
-            <a:pPr marL="285750" indent="-285750">
-              <a:lnSpc>
-                <a:spcPct val="150000"/>
-              </a:lnSpc>
-              <a:buFont typeface="Arial" panose="020B0604020202020204" pitchFamily="34" charset="0"/>
-              <a:buChar char="•"/>
-            </a:pPr>
-            <a:r>
               <a:rPr lang="hu-HU" sz="2800" dirty="0"/>
-              <a:t>Optimalizációk</a:t>
+              <a:t>Teljesítményjavítások</a:t>
             </a:r>
           </a:p>
           <a:p>
@@ -11177,67 +11048,62 @@
               <a:buChar char="•"/>
             </a:pPr>
             <a:r>
-              <a:rPr lang="hu-HU" sz="2800" dirty="0"/>
-              <a:t>GPU gyorsítás - </a:t>
-            </a:r>
-            <a:r>
-              <a:rPr lang="hu-HU" sz="2800" b="0" i="0" dirty="0" err="1">
-                <a:effectLst/>
-                <a:latin typeface="quote-cjk-patch"/>
-              </a:rPr>
-              <a:t>InstancedMesh</a:t>
-            </a:r>
-            <a:r>
-              <a:rPr lang="hu-HU" sz="2800" b="0" i="0" dirty="0">
-                <a:effectLst/>
-                <a:latin typeface="quote-cjk-patch"/>
-              </a:rPr>
-              <a:t>, LOD (</a:t>
-            </a:r>
-            <a:r>
-              <a:rPr lang="hu-HU" sz="2800" b="0" i="0" dirty="0" err="1">
-                <a:effectLst/>
-                <a:latin typeface="quote-cjk-patch"/>
-              </a:rPr>
-              <a:t>Level</a:t>
-            </a:r>
-            <a:r>
-              <a:rPr lang="hu-HU" sz="2800" b="0" i="0" dirty="0">
-                <a:effectLst/>
-                <a:latin typeface="quote-cjk-patch"/>
-              </a:rPr>
-              <a:t> of </a:t>
-            </a:r>
-            <a:r>
-              <a:rPr lang="hu-HU" sz="2800" b="0" i="0" dirty="0" err="1">
-                <a:effectLst/>
-                <a:latin typeface="quote-cjk-patch"/>
-              </a:rPr>
-              <a:t>Detail</a:t>
-            </a:r>
-            <a:r>
-              <a:rPr lang="hu-HU" sz="2800" b="0" i="0" dirty="0">
-                <a:effectLst/>
-                <a:latin typeface="quote-cjk-patch"/>
-              </a:rPr>
-              <a:t>)</a:t>
-            </a:r>
-          </a:p>
-          <a:p>
-            <a:pPr marL="742950" lvl="1" indent="-285750">
-              <a:lnSpc>
-                <a:spcPct val="150000"/>
-              </a:lnSpc>
-              <a:buFont typeface="Arial" panose="020B0604020202020204" pitchFamily="34" charset="0"/>
-              <a:buChar char="•"/>
-            </a:pPr>
-            <a:r>
               <a:rPr lang="hu-HU" sz="2800" dirty="0">
                 <a:latin typeface="quote-cjk-patch"/>
               </a:rPr>
               <a:t>Memóriakezelés – Dinamikus textúrabetöltés</a:t>
             </a:r>
-            <a:endParaRPr lang="hu-HU" sz="2800" dirty="0"/>
+          </a:p>
+          <a:p>
+            <a:pPr marL="285750" indent="-285750">
+              <a:lnSpc>
+                <a:spcPct val="150000"/>
+              </a:lnSpc>
+              <a:buFont typeface="Arial" panose="020B0604020202020204" pitchFamily="34" charset="0"/>
+              <a:buChar char="•"/>
+            </a:pPr>
+            <a:r>
+              <a:rPr lang="hu-HU" sz="2800" dirty="0">
+                <a:latin typeface="quote-cjk-patch"/>
+              </a:rPr>
+              <a:t>Mérések összegzése</a:t>
+            </a:r>
+          </a:p>
+          <a:p>
+            <a:pPr marL="742950" lvl="1" indent="-285750">
+              <a:lnSpc>
+                <a:spcPct val="150000"/>
+              </a:lnSpc>
+              <a:buFont typeface="Arial" panose="020B0604020202020204" pitchFamily="34" charset="0"/>
+              <a:buChar char="•"/>
+            </a:pPr>
+            <a:r>
+              <a:rPr lang="hu-HU" sz="2800" dirty="0">
+                <a:latin typeface="quote-cjk-patch"/>
+              </a:rPr>
+              <a:t>5 mérés átlaga háromféle gépen</a:t>
+            </a:r>
+          </a:p>
+          <a:p>
+            <a:pPr marL="742950" lvl="1" indent="-285750">
+              <a:lnSpc>
+                <a:spcPct val="150000"/>
+              </a:lnSpc>
+              <a:buFont typeface="Arial" panose="020B0604020202020204" pitchFamily="34" charset="0"/>
+              <a:buChar char="•"/>
+            </a:pPr>
+            <a:r>
+              <a:rPr lang="hu-HU" sz="2800" dirty="0" err="1">
+                <a:latin typeface="quote-cjk-patch"/>
+              </a:rPr>
+              <a:t>WebWorkerrel</a:t>
+            </a:r>
+            <a:r>
+              <a:rPr lang="hu-HU" sz="2800" dirty="0">
+                <a:latin typeface="quote-cjk-patch"/>
+              </a:rPr>
+              <a:t> és anélkül</a:t>
+            </a:r>
           </a:p>
         </p:txBody>
       </p:sp>
@@ -12949,7 +12815,7 @@
         <p:spPr>
           <a:xfrm>
             <a:off x="691674" y="-3857751"/>
-            <a:ext cx="9235887" cy="2610843"/>
+            <a:ext cx="9235887" cy="3257174"/>
           </a:xfrm>
           <a:prstGeom prst="rect">
             <a:avLst/>
@@ -12961,6 +12827,23 @@
             <a:spAutoFit/>
           </a:bodyPr>
           <a:lstStyle/>
+          <a:p>
+            <a:pPr marL="285750" indent="-285750">
+              <a:lnSpc>
+                <a:spcPct val="150000"/>
+              </a:lnSpc>
+              <a:buFont typeface="Arial" panose="020B0604020202020204" pitchFamily="34" charset="0"/>
+              <a:buChar char="•"/>
+            </a:pPr>
+            <a:r>
+              <a:rPr lang="hu-HU" sz="2800" dirty="0" err="1"/>
+              <a:t>WebWorker</a:t>
+            </a:r>
+            <a:r>
+              <a:rPr lang="hu-HU" sz="2800" dirty="0"/>
+              <a:t> összekötése a főkomponenssel</a:t>
+            </a:r>
+          </a:p>
           <a:p>
             <a:pPr marL="285750" indent="-285750">
               <a:lnSpc>
